--- a/06-strukturovana-data-API/cviceni-06.pptx
+++ b/06-strukturovana-data-API/cviceni-06.pptx
@@ -3371,7 +3371,7 @@
             <a:fld id="{5586B75A-687E-405C-8A0B-8D00578BA2C3}" type="datetimeFigureOut">
               <a:rPr lang="en-US" smtClean="0"/>
               <a:pPr/>
-              <a:t>3/24/2021</a:t>
+              <a:t>3/25/2021</a:t>
             </a:fld>
             <a:endParaRPr lang="en-US" dirty="0"/>
           </a:p>
@@ -3624,7 +3624,7 @@
             <a:fld id="{5586B75A-687E-405C-8A0B-8D00578BA2C3}" type="datetimeFigureOut">
               <a:rPr lang="en-US" smtClean="0"/>
               <a:pPr/>
-              <a:t>3/24/2021</a:t>
+              <a:t>3/25/2021</a:t>
             </a:fld>
             <a:endParaRPr lang="en-US" dirty="0"/>
           </a:p>
@@ -3941,7 +3941,7 @@
             <a:fld id="{5586B75A-687E-405C-8A0B-8D00578BA2C3}" type="datetimeFigureOut">
               <a:rPr lang="en-US" smtClean="0"/>
               <a:pPr/>
-              <a:t>3/24/2021</a:t>
+              <a:t>3/25/2021</a:t>
             </a:fld>
             <a:endParaRPr lang="en-US" dirty="0"/>
           </a:p>
@@ -4271,7 +4271,7 @@
             <a:fld id="{5586B75A-687E-405C-8A0B-8D00578BA2C3}" type="datetimeFigureOut">
               <a:rPr lang="en-US" smtClean="0"/>
               <a:pPr/>
-              <a:t>3/24/2021</a:t>
+              <a:t>3/25/2021</a:t>
             </a:fld>
             <a:endParaRPr lang="en-US" dirty="0"/>
           </a:p>
@@ -4588,7 +4588,7 @@
             <a:fld id="{5586B75A-687E-405C-8A0B-8D00578BA2C3}" type="datetimeFigureOut">
               <a:rPr lang="en-US" smtClean="0"/>
               <a:pPr/>
-              <a:t>3/24/2021</a:t>
+              <a:t>3/25/2021</a:t>
             </a:fld>
             <a:endParaRPr lang="en-US" dirty="0"/>
           </a:p>
@@ -4978,7 +4978,7 @@
             <a:fld id="{5586B75A-687E-405C-8A0B-8D00578BA2C3}" type="datetimeFigureOut">
               <a:rPr lang="en-US" smtClean="0"/>
               <a:pPr/>
-              <a:t>3/24/2021</a:t>
+              <a:t>3/25/2021</a:t>
             </a:fld>
             <a:endParaRPr lang="en-US" dirty="0"/>
           </a:p>
@@ -5150,7 +5150,7 @@
           <a:p>
             <a:fld id="{5F4E5243-F52A-4D37-9694-EB26C6C31910}" type="datetimeFigureOut">
               <a:rPr lang="en-US" smtClean="0"/>
-              <a:t>3/24/2021</a:t>
+              <a:t>3/25/2021</a:t>
             </a:fld>
             <a:endParaRPr lang="en-US" dirty="0"/>
           </a:p>
@@ -5330,7 +5330,7 @@
           <a:p>
             <a:fld id="{3A77B6E1-634A-48DC-9E8B-D894023267EF}" type="datetimeFigureOut">
               <a:rPr lang="en-US" smtClean="0"/>
-              <a:t>3/24/2021</a:t>
+              <a:t>3/25/2021</a:t>
             </a:fld>
             <a:endParaRPr lang="en-US" dirty="0"/>
           </a:p>
@@ -5506,7 +5506,7 @@
           <a:p>
             <a:fld id="{7B2D3E9E-A95C-48F2-B4BF-A71542E0BE9A}" type="datetimeFigureOut">
               <a:rPr lang="en-US" smtClean="0"/>
-              <a:t>3/24/2021</a:t>
+              <a:t>3/25/2021</a:t>
             </a:fld>
             <a:endParaRPr lang="en-US" dirty="0"/>
           </a:p>
@@ -5754,7 +5754,7 @@
             <a:fld id="{5586B75A-687E-405C-8A0B-8D00578BA2C3}" type="datetimeFigureOut">
               <a:rPr lang="en-US" smtClean="0"/>
               <a:pPr/>
-              <a:t>3/24/2021</a:t>
+              <a:t>3/25/2021</a:t>
             </a:fld>
             <a:endParaRPr lang="en-US" dirty="0"/>
           </a:p>
@@ -5987,7 +5987,7 @@
           <a:p>
             <a:fld id="{F12952B5-7A2F-4CC8-B7CE-9234E21C2837}" type="datetimeFigureOut">
               <a:rPr lang="en-US" smtClean="0"/>
-              <a:t>3/24/2021</a:t>
+              <a:t>3/25/2021</a:t>
             </a:fld>
             <a:endParaRPr lang="en-US" dirty="0"/>
           </a:p>
@@ -6361,7 +6361,7 @@
           <a:p>
             <a:fld id="{CE1DA07A-9201-4B4B-BAF2-015AFA30F520}" type="datetimeFigureOut">
               <a:rPr lang="en-US" smtClean="0"/>
-              <a:t>3/24/2021</a:t>
+              <a:t>3/25/2021</a:t>
             </a:fld>
             <a:endParaRPr lang="en-US" dirty="0"/>
           </a:p>
@@ -6484,7 +6484,7 @@
           <a:p>
             <a:fld id="{73D7E00A-486F-4252-8B1D-E32645521F49}" type="datetimeFigureOut">
               <a:rPr lang="en-US" smtClean="0"/>
-              <a:t>3/24/2021</a:t>
+              <a:t>3/25/2021</a:t>
             </a:fld>
             <a:endParaRPr lang="en-US" dirty="0"/>
           </a:p>
@@ -6579,7 +6579,7 @@
           <a:p>
             <a:fld id="{8DDF5F92-E675-4B36-9A60-69A962A68675}" type="datetimeFigureOut">
               <a:rPr lang="en-US" smtClean="0"/>
-              <a:t>3/24/2021</a:t>
+              <a:t>3/25/2021</a:t>
             </a:fld>
             <a:endParaRPr lang="en-US" dirty="0"/>
           </a:p>
@@ -6834,7 +6834,7 @@
           <a:p>
             <a:fld id="{AF6E2C9B-5FA2-460D-9BE7-B0812FC2A6FF}" type="datetimeFigureOut">
               <a:rPr lang="en-US" smtClean="0"/>
-              <a:t>3/24/2021</a:t>
+              <a:t>3/25/2021</a:t>
             </a:fld>
             <a:endParaRPr lang="en-US" dirty="0"/>
           </a:p>
@@ -7099,7 +7099,7 @@
             <a:fld id="{5586B75A-687E-405C-8A0B-8D00578BA2C3}" type="datetimeFigureOut">
               <a:rPr lang="en-US" smtClean="0"/>
               <a:pPr/>
-              <a:t>3/24/2021</a:t>
+              <a:t>3/25/2021</a:t>
             </a:fld>
             <a:endParaRPr lang="en-US" dirty="0"/>
           </a:p>
@@ -7846,7 +7846,7 @@
             <a:fld id="{5586B75A-687E-405C-8A0B-8D00578BA2C3}" type="datetimeFigureOut">
               <a:rPr lang="en-US" smtClean="0"/>
               <a:pPr/>
-              <a:t>3/24/2021</a:t>
+              <a:t>3/25/2021</a:t>
             </a:fld>
             <a:endParaRPr lang="en-US" dirty="0"/>
           </a:p>
@@ -10286,6 +10286,22 @@
               </a:rPr>
               <a:t>Zkuste navrhnout vlastní XML či JSON formát, ve kterém by bylo možné zaznamenat knihy nově dostupné v naší knihovně.</a:t>
             </a:r>
+            <a:endParaRPr lang="en-US" i="1" dirty="0">
+              <a:solidFill>
+                <a:srgbClr val="FFC000"/>
+              </a:solidFill>
+            </a:endParaRPr>
+          </a:p>
+          <a:p>
+            <a:pPr lvl="1"/>
+            <a:r>
+              <a:rPr lang="cs-CZ" i="1" dirty="0">
+                <a:solidFill>
+                  <a:srgbClr val="FFC000"/>
+                </a:solidFill>
+              </a:rPr>
+              <a:t>autor, název, rok vydání, vydavatel, ISBN</a:t>
+            </a:r>
           </a:p>
         </p:txBody>
       </p:sp>
